--- a/Slides/PythonArcadeStep5AddScrolling.pptx
+++ b/Slides/PythonArcadeStep5AddScrolling.pptx
@@ -239,7 +239,7 @@
           <a:p>
             <a:fld id="{095922B8-2402-4D07-8CC1-A7973D5DEA1D}" type="datetimeFigureOut">
               <a:rPr lang="en-US" smtClean="0"/>
-              <a:t>08-Apr-21</a:t>
+              <a:t>10-Apr-21</a:t>
             </a:fld>
             <a:endParaRPr lang="en-US"/>
           </a:p>
@@ -820,7 +820,7 @@
           <a:p>
             <a:fld id="{E2BFE950-A675-4D2F-BC24-F20C16678C63}" type="datetimeFigureOut">
               <a:rPr lang="en-US" smtClean="0"/>
-              <a:t>08-Apr-21</a:t>
+              <a:t>10-Apr-21</a:t>
             </a:fld>
             <a:endParaRPr lang="en-US"/>
           </a:p>
@@ -1123,7 +1123,7 @@
           <a:p>
             <a:fld id="{E2BFE950-A675-4D2F-BC24-F20C16678C63}" type="datetimeFigureOut">
               <a:rPr lang="en-US" smtClean="0"/>
-              <a:t>08-Apr-21</a:t>
+              <a:t>10-Apr-21</a:t>
             </a:fld>
             <a:endParaRPr lang="en-US"/>
           </a:p>
@@ -1292,7 +1292,7 @@
           <a:p>
             <a:fld id="{E2BFE950-A675-4D2F-BC24-F20C16678C63}" type="datetimeFigureOut">
               <a:rPr lang="en-US" smtClean="0"/>
-              <a:t>08-Apr-21</a:t>
+              <a:t>10-Apr-21</a:t>
             </a:fld>
             <a:endParaRPr lang="en-US"/>
           </a:p>
@@ -1466,7 +1466,7 @@
           <a:p>
             <a:fld id="{E2BFE950-A675-4D2F-BC24-F20C16678C63}" type="datetimeFigureOut">
               <a:rPr lang="en-US" smtClean="0"/>
-              <a:t>08-Apr-21</a:t>
+              <a:t>10-Apr-21</a:t>
             </a:fld>
             <a:endParaRPr lang="en-US"/>
           </a:p>
@@ -1629,7 +1629,7 @@
           <a:p>
             <a:fld id="{E2BFE950-A675-4D2F-BC24-F20C16678C63}" type="datetimeFigureOut">
               <a:rPr lang="en-US" smtClean="0"/>
-              <a:t>08-Apr-21</a:t>
+              <a:t>10-Apr-21</a:t>
             </a:fld>
             <a:endParaRPr lang="en-US"/>
           </a:p>
@@ -1802,7 +1802,7 @@
           <a:p>
             <a:fld id="{E2BFE950-A675-4D2F-BC24-F20C16678C63}" type="datetimeFigureOut">
               <a:rPr lang="en-US" smtClean="0"/>
-              <a:t>08-Apr-21</a:t>
+              <a:t>10-Apr-21</a:t>
             </a:fld>
             <a:endParaRPr lang="en-US"/>
           </a:p>
@@ -2091,7 +2091,7 @@
           <a:p>
             <a:fld id="{E2BFE950-A675-4D2F-BC24-F20C16678C63}" type="datetimeFigureOut">
               <a:rPr lang="en-US" smtClean="0"/>
-              <a:t>08-Apr-21</a:t>
+              <a:t>10-Apr-21</a:t>
             </a:fld>
             <a:endParaRPr lang="en-US"/>
           </a:p>
@@ -2415,7 +2415,7 @@
           <a:p>
             <a:fld id="{E2BFE950-A675-4D2F-BC24-F20C16678C63}" type="datetimeFigureOut">
               <a:rPr lang="en-US" smtClean="0"/>
-              <a:t>08-Apr-21</a:t>
+              <a:t>10-Apr-21</a:t>
             </a:fld>
             <a:endParaRPr lang="en-US"/>
           </a:p>
@@ -2839,7 +2839,7 @@
           <a:p>
             <a:fld id="{E2BFE950-A675-4D2F-BC24-F20C16678C63}" type="datetimeFigureOut">
               <a:rPr lang="en-US" smtClean="0"/>
-              <a:t>08-Apr-21</a:t>
+              <a:t>10-Apr-21</a:t>
             </a:fld>
             <a:endParaRPr lang="en-US"/>
           </a:p>
@@ -3012,7 +3012,7 @@
           <a:p>
             <a:fld id="{E2BFE950-A675-4D2F-BC24-F20C16678C63}" type="datetimeFigureOut">
               <a:rPr lang="en-US" smtClean="0"/>
-              <a:t>08-Apr-21</a:t>
+              <a:t>10-Apr-21</a:t>
             </a:fld>
             <a:endParaRPr lang="en-US"/>
           </a:p>
@@ -3102,7 +3102,7 @@
           <a:p>
             <a:fld id="{E2BFE950-A675-4D2F-BC24-F20C16678C63}" type="datetimeFigureOut">
               <a:rPr lang="en-US" smtClean="0"/>
-              <a:t>08-Apr-21</a:t>
+              <a:t>10-Apr-21</a:t>
             </a:fld>
             <a:endParaRPr lang="en-US"/>
           </a:p>
@@ -3381,7 +3381,7 @@
           <a:p>
             <a:fld id="{E2BFE950-A675-4D2F-BC24-F20C16678C63}" type="datetimeFigureOut">
               <a:rPr lang="en-US" smtClean="0"/>
-              <a:t>08-Apr-21</a:t>
+              <a:t>10-Apr-21</a:t>
             </a:fld>
             <a:endParaRPr lang="en-US"/>
           </a:p>
@@ -3628,7 +3628,7 @@
           <a:p>
             <a:fld id="{E2BFE950-A675-4D2F-BC24-F20C16678C63}" type="datetimeFigureOut">
               <a:rPr lang="en-US" smtClean="0"/>
-              <a:t>08-Apr-21</a:t>
+              <a:t>10-Apr-21</a:t>
             </a:fld>
             <a:endParaRPr lang="en-US"/>
           </a:p>
@@ -4214,9 +4214,10 @@
           <a:lstStyle/>
           <a:p>
             <a:r>
-              <a:rPr lang="en-US" dirty="0"/>
-              <a:t>Instructor: Rob Garner</a:t>
-            </a:r>
+              <a:rPr lang="en-US"/>
+              <a:t>Instructor: Rob Garner (rgarner7@cnm.edu)</a:t>
+            </a:r>
+            <a:endParaRPr lang="en-US" dirty="0"/>
           </a:p>
         </p:txBody>
       </p:sp>
